--- a/writing-work/Vorpräsentation.pptx
+++ b/writing-work/Vorpräsentation.pptx
@@ -6,11 +6,12 @@
   </p:sldMasterIdLst>
   <p:sldIdLst>
     <p:sldId id="256" r:id="rId2"/>
-    <p:sldId id="257" r:id="rId3"/>
-    <p:sldId id="261" r:id="rId4"/>
-    <p:sldId id="258" r:id="rId5"/>
-    <p:sldId id="259" r:id="rId6"/>
-    <p:sldId id="260" r:id="rId7"/>
+    <p:sldId id="262" r:id="rId3"/>
+    <p:sldId id="257" r:id="rId4"/>
+    <p:sldId id="261" r:id="rId5"/>
+    <p:sldId id="258" r:id="rId6"/>
+    <p:sldId id="259" r:id="rId7"/>
+    <p:sldId id="260" r:id="rId8"/>
   </p:sldIdLst>
   <p:sldSz cx="12192000" cy="6858000"/>
   <p:notesSz cx="6858000" cy="9144000"/>
@@ -764,7 +765,7 @@
             <a:fld id="{1E700B27-DE4C-4B9E-BB11-B9027034A00F}" type="datetimeFigureOut">
               <a:rPr lang="en-US" dirty="0"/>
               <a:pPr/>
-              <a:t>12/6/2018</a:t>
+              <a:t>12/10/2018</a:t>
             </a:fld>
             <a:endParaRPr lang="en-US" dirty="0"/>
           </a:p>
@@ -1884,7 +1885,7 @@
           <a:p>
             <a:fld id="{C40F4739-9812-4A9F-890D-2AD6BA5F6EE8}" type="datetimeFigureOut">
               <a:rPr lang="en-US" dirty="0"/>
-              <a:t>12/6/2018</a:t>
+              <a:t>12/10/2018</a:t>
             </a:fld>
             <a:endParaRPr lang="en-US" dirty="0"/>
           </a:p>
@@ -2895,7 +2896,7 @@
           <a:p>
             <a:fld id="{18845AC5-A3F8-44AA-BA8F-596CDCC976D3}" type="datetimeFigureOut">
               <a:rPr lang="en-US" dirty="0"/>
-              <a:t>12/6/2018</a:t>
+              <a:t>12/10/2018</a:t>
             </a:fld>
             <a:endParaRPr lang="en-US" dirty="0"/>
           </a:p>
@@ -4065,7 +4066,7 @@
           <a:p>
             <a:fld id="{C873B183-A821-4095-A363-9EC968635539}" type="datetimeFigureOut">
               <a:rPr lang="en-US" dirty="0"/>
-              <a:t>12/6/2018</a:t>
+              <a:t>12/10/2018</a:t>
             </a:fld>
             <a:endParaRPr lang="en-US" dirty="0"/>
           </a:p>
@@ -5126,7 +5127,7 @@
           <a:p>
             <a:fld id="{174D01B4-0AA5-45E6-B2E6-5FA4078AEBCF}" type="datetimeFigureOut">
               <a:rPr lang="en-US" dirty="0"/>
-              <a:t>12/6/2018</a:t>
+              <a:t>12/10/2018</a:t>
             </a:fld>
             <a:endParaRPr lang="en-US" dirty="0"/>
           </a:p>
@@ -5772,7 +5773,7 @@
           <a:p>
             <a:fld id="{4147335C-0450-40D7-8612-B3203BED4F28}" type="datetimeFigureOut">
               <a:rPr lang="en-US" dirty="0"/>
-              <a:t>12/6/2018</a:t>
+              <a:t>12/10/2018</a:t>
             </a:fld>
             <a:endParaRPr lang="en-US" dirty="0"/>
           </a:p>
@@ -6619,7 +6620,7 @@
           <a:p>
             <a:fld id="{D246A105-2A1C-4284-B4EA-07CF89B1A393}" type="datetimeFigureOut">
               <a:rPr lang="en-US" dirty="0"/>
-              <a:t>12/6/2018</a:t>
+              <a:t>12/10/2018</a:t>
             </a:fld>
             <a:endParaRPr lang="en-US" dirty="0"/>
           </a:p>
@@ -6794,7 +6795,7 @@
           <a:p>
             <a:fld id="{80DBE609-F3F2-45E6-BD6A-E03A8C86C1AE}" type="datetimeFigureOut">
               <a:rPr lang="en-US" dirty="0"/>
-              <a:t>12/6/2018</a:t>
+              <a:t>12/10/2018</a:t>
             </a:fld>
             <a:endParaRPr lang="en-US" dirty="0"/>
           </a:p>
@@ -7792,7 +7793,7 @@
           <a:p>
             <a:fld id="{7A24AD68-089C-4467-A8F3-EA2BBCA6B44E}" type="datetimeFigureOut">
               <a:rPr lang="en-US" dirty="0"/>
-              <a:t>12/6/2018</a:t>
+              <a:t>12/10/2018</a:t>
             </a:fld>
             <a:endParaRPr lang="en-US" dirty="0"/>
           </a:p>
@@ -7998,7 +7999,7 @@
           <a:p>
             <a:fld id="{75C51FCE-E4BB-4680-8E50-3C0E348D2609}" type="datetimeFigureOut">
               <a:rPr lang="en-US" dirty="0"/>
-              <a:t>12/6/2018</a:t>
+              <a:t>12/10/2018</a:t>
             </a:fld>
             <a:endParaRPr lang="en-US" dirty="0"/>
           </a:p>
@@ -9060,7 +9061,7 @@
           <a:p>
             <a:fld id="{8AAA073D-A903-47F8-8D16-77642FB0DF1F}" type="datetimeFigureOut">
               <a:rPr lang="en-US" dirty="0"/>
-              <a:t>12/6/2018</a:t>
+              <a:t>12/10/2018</a:t>
             </a:fld>
             <a:endParaRPr lang="en-US" dirty="0"/>
           </a:p>
@@ -9332,7 +9333,7 @@
           <a:p>
             <a:fld id="{AB91FA40-626B-4CA1-85D0-7A9016E395BA}" type="datetimeFigureOut">
               <a:rPr lang="en-US" dirty="0"/>
-              <a:t>12/6/2018</a:t>
+              <a:t>12/10/2018</a:t>
             </a:fld>
             <a:endParaRPr lang="en-US" dirty="0"/>
           </a:p>
@@ -9714,7 +9715,7 @@
           <a:p>
             <a:fld id="{C3F425EA-B9DC-48A7-991E-9A82573B1B21}" type="datetimeFigureOut">
               <a:rPr lang="en-US" dirty="0"/>
-              <a:t>12/6/2018</a:t>
+              <a:t>12/10/2018</a:t>
             </a:fld>
             <a:endParaRPr lang="en-US" dirty="0"/>
           </a:p>
@@ -9832,7 +9833,7 @@
           <a:p>
             <a:fld id="{66CB97F8-6CEB-469B-AFCC-889F2A2B1D5A}" type="datetimeFigureOut">
               <a:rPr lang="en-US" dirty="0"/>
-              <a:t>12/6/2018</a:t>
+              <a:t>12/10/2018</a:t>
             </a:fld>
             <a:endParaRPr lang="en-US" dirty="0"/>
           </a:p>
@@ -9927,7 +9928,7 @@
           <a:p>
             <a:fld id="{8FA9179F-009E-4FA5-B091-7EBB82A185BD}" type="datetimeFigureOut">
               <a:rPr lang="en-US" dirty="0"/>
-              <a:t>12/6/2018</a:t>
+              <a:t>12/10/2018</a:t>
             </a:fld>
             <a:endParaRPr lang="en-US" dirty="0"/>
           </a:p>
@@ -11036,7 +11037,7 @@
           <a:p>
             <a:fld id="{8E665CEB-0076-4E37-B880-BCEA9784DE0A}" type="datetimeFigureOut">
               <a:rPr lang="en-US" dirty="0"/>
-              <a:t>12/6/2018</a:t>
+              <a:t>12/10/2018</a:t>
             </a:fld>
             <a:endParaRPr lang="en-US" dirty="0"/>
           </a:p>
@@ -12169,7 +12170,7 @@
           <a:p>
             <a:fld id="{A6149E5E-3896-4118-99A7-7B85668F1C5E}" type="datetimeFigureOut">
               <a:rPr lang="en-US" dirty="0"/>
-              <a:t>12/6/2018</a:t>
+              <a:t>12/10/2018</a:t>
             </a:fld>
             <a:endParaRPr lang="en-US" dirty="0"/>
           </a:p>
@@ -13197,7 +13198,7 @@
           <a:p>
             <a:fld id="{7E0D914D-B099-4142-A885-11F276715148}" type="datetimeFigureOut">
               <a:rPr lang="en-US" dirty="0"/>
-              <a:t>12/6/2018</a:t>
+              <a:t>12/10/2018</a:t>
             </a:fld>
             <a:endParaRPr lang="en-US" dirty="0"/>
           </a:p>
@@ -13961,6 +13962,121 @@
           <p:cNvPr id="2" name="Titel 1">
             <a:extLst>
               <a:ext uri="{FF2B5EF4-FFF2-40B4-BE49-F238E27FC236}">
+                <a16:creationId xmlns:a16="http://schemas.microsoft.com/office/drawing/2014/main" id="{7FBB6A15-9ECA-43E5-A67F-668D6F840BE8}"/>
+              </a:ext>
+            </a:extLst>
+          </p:cNvPr>
+          <p:cNvSpPr>
+            <a:spLocks noGrp="1"/>
+          </p:cNvSpPr>
+          <p:nvPr>
+            <p:ph type="title"/>
+          </p:nvPr>
+        </p:nvSpPr>
+        <p:spPr/>
+        <p:txBody>
+          <a:bodyPr/>
+          <a:lstStyle/>
+          <a:p>
+            <a:r>
+              <a:rPr lang="de-AT" dirty="0"/>
+              <a:t>Themenstellung</a:t>
+            </a:r>
+          </a:p>
+        </p:txBody>
+      </p:sp>
+      <p:sp>
+        <p:nvSpPr>
+          <p:cNvPr id="3" name="Inhaltsplatzhalter 2">
+            <a:extLst>
+              <a:ext uri="{FF2B5EF4-FFF2-40B4-BE49-F238E27FC236}">
+                <a16:creationId xmlns:a16="http://schemas.microsoft.com/office/drawing/2014/main" id="{36082812-2B22-469C-B866-293316754FD1}"/>
+              </a:ext>
+            </a:extLst>
+          </p:cNvPr>
+          <p:cNvSpPr>
+            <a:spLocks noGrp="1"/>
+          </p:cNvSpPr>
+          <p:nvPr>
+            <p:ph idx="1"/>
+          </p:nvPr>
+        </p:nvSpPr>
+        <p:spPr/>
+        <p:txBody>
+          <a:bodyPr/>
+          <a:lstStyle/>
+          <a:p>
+            <a:r>
+              <a:rPr lang="de-AT" dirty="0"/>
+              <a:t>Die Aufgabe unserer Diplomarbeit waren die Erstellung einer neuen, dynamischen Website für unseren Kooperationspartner.</a:t>
+            </a:r>
+          </a:p>
+          <a:p>
+            <a:endParaRPr lang="de-AT" dirty="0"/>
+          </a:p>
+          <a:p>
+            <a:r>
+              <a:rPr lang="de-AT" dirty="0"/>
+              <a:t>Die majorisierten Anliegen des Verbandes waren:</a:t>
+            </a:r>
+          </a:p>
+          <a:p>
+            <a:pPr lvl="1"/>
+            <a:r>
+              <a:rPr lang="de-AT" dirty="0"/>
+              <a:t>Die Handhabung der Daten soll wesentlich erleichtert werden (</a:t>
+            </a:r>
+            <a:r>
+              <a:rPr lang="de-AT"/>
+              <a:t>sowohl Hinzufügen </a:t>
+            </a:r>
+            <a:r>
+              <a:rPr lang="de-AT" dirty="0"/>
+              <a:t>als </a:t>
+            </a:r>
+            <a:r>
+              <a:rPr lang="de-AT"/>
+              <a:t>auch Bearbeiten)</a:t>
+            </a:r>
+            <a:endParaRPr lang="de-AT" dirty="0"/>
+          </a:p>
+        </p:txBody>
+      </p:sp>
+    </p:spTree>
+    <p:extLst>
+      <p:ext uri="{BB962C8B-B14F-4D97-AF65-F5344CB8AC3E}">
+        <p14:creationId xmlns:p14="http://schemas.microsoft.com/office/powerpoint/2010/main" val="2254238724"/>
+      </p:ext>
+    </p:extLst>
+  </p:cSld>
+  <p:clrMapOvr>
+    <a:masterClrMapping/>
+  </p:clrMapOvr>
+</p:sld>
+</file>
+
+<file path=ppt/slides/slide3.xml><?xml version="1.0" encoding="utf-8"?>
+<p:sld xmlns:a="http://schemas.openxmlformats.org/drawingml/2006/main" xmlns:r="http://schemas.openxmlformats.org/officeDocument/2006/relationships" xmlns:p="http://schemas.openxmlformats.org/presentationml/2006/main">
+  <p:cSld>
+    <p:spTree>
+      <p:nvGrpSpPr>
+        <p:cNvPr id="1" name=""/>
+        <p:cNvGrpSpPr/>
+        <p:nvPr/>
+      </p:nvGrpSpPr>
+      <p:grpSpPr>
+        <a:xfrm>
+          <a:off x="0" y="0"/>
+          <a:ext cx="0" cy="0"/>
+          <a:chOff x="0" y="0"/>
+          <a:chExt cx="0" cy="0"/>
+        </a:xfrm>
+      </p:grpSpPr>
+      <p:sp>
+        <p:nvSpPr>
+          <p:cNvPr id="2" name="Titel 1">
+            <a:extLst>
+              <a:ext uri="{FF2B5EF4-FFF2-40B4-BE49-F238E27FC236}">
                 <a16:creationId xmlns:a16="http://schemas.microsoft.com/office/drawing/2014/main" id="{0552F8C5-60ED-43A0-9C14-A44B776931B3}"/>
               </a:ext>
             </a:extLst>
@@ -14027,12 +14143,8 @@
           <a:p>
             <a:pPr lvl="1"/>
             <a:r>
-              <a:rPr lang="de-AT" sz="1800" dirty="0" err="1"/>
-              <a:t>unintuitive</a:t>
-            </a:r>
-            <a:r>
               <a:rPr lang="de-AT" sz="1800" dirty="0"/>
-              <a:t> Menüs</a:t>
+              <a:t>kontraintuitive Menüs</a:t>
             </a:r>
           </a:p>
           <a:p>
@@ -14067,7 +14179,7 @@
 </p:sld>
 </file>
 
-<file path=ppt/slides/slide3.xml><?xml version="1.0" encoding="utf-8"?>
+<file path=ppt/slides/slide4.xml><?xml version="1.0" encoding="utf-8"?>
 <p:sld xmlns:a="http://schemas.openxmlformats.org/drawingml/2006/main" xmlns:r="http://schemas.openxmlformats.org/officeDocument/2006/relationships" xmlns:p="http://schemas.openxmlformats.org/presentationml/2006/main">
   <p:cSld>
     <p:spTree>
@@ -14701,7 +14813,7 @@
 </p:sld>
 </file>
 
-<file path=ppt/slides/slide4.xml><?xml version="1.0" encoding="utf-8"?>
+<file path=ppt/slides/slide5.xml><?xml version="1.0" encoding="utf-8"?>
 <p:sld xmlns:a="http://schemas.openxmlformats.org/drawingml/2006/main" xmlns:r="http://schemas.openxmlformats.org/officeDocument/2006/relationships" xmlns:p="http://schemas.openxmlformats.org/presentationml/2006/main">
   <p:cSld>
     <p:spTree>
@@ -15077,7 +15189,7 @@
 </p:sld>
 </file>
 
-<file path=ppt/slides/slide5.xml><?xml version="1.0" encoding="utf-8"?>
+<file path=ppt/slides/slide6.xml><?xml version="1.0" encoding="utf-8"?>
 <p:sld xmlns:a="http://schemas.openxmlformats.org/drawingml/2006/main" xmlns:r="http://schemas.openxmlformats.org/officeDocument/2006/relationships" xmlns:p="http://schemas.openxmlformats.org/presentationml/2006/main">
   <p:cSld>
     <p:spTree>
@@ -15160,7 +15272,7 @@
 </p:sld>
 </file>
 
-<file path=ppt/slides/slide6.xml><?xml version="1.0" encoding="utf-8"?>
+<file path=ppt/slides/slide7.xml><?xml version="1.0" encoding="utf-8"?>
 <p:sld xmlns:a="http://schemas.openxmlformats.org/drawingml/2006/main" xmlns:r="http://schemas.openxmlformats.org/officeDocument/2006/relationships" xmlns:p="http://schemas.openxmlformats.org/presentationml/2006/main">
   <p:cSld>
     <p:spTree>
